--- a/1.3-Activity-PSS_ More Git _ Environment Variables.pptx
+++ b/1.3-Activity-PSS_ More Git _ Environment Variables.pptx
@@ -260,6 +260,11 @@
       </a:defRPr>
     </a:lvl9pPr>
   </p:defaultTextStyle>
+  <p:extLst>
+    <p:ext uri="{EFAFB233-063F-42B5-8137-9DF3F51BA10A}">
+      <p15:sldGuideLst xmlns:p15="http://schemas.microsoft.com/office/powerpoint/2012/main"/>
+    </p:ext>
+  </p:extLst>
 </p:presentation>
 </file>
 
@@ -733,7 +738,7 @@
         </p:nvSpPr>
         <p:spPr>
           <a:xfrm>
-            <a:off x="381300" y="685800"/>
+            <a:off x="381000" y="685800"/>
             <a:ext cx="6096000" cy="3429000"/>
           </a:xfrm>
           <a:custGeom>
@@ -8182,7 +8187,7 @@
         <p:spPr>
           <a:xfrm>
             <a:off x="311700" y="1505700"/>
-            <a:ext cx="4128000" cy="3286800"/>
+            <a:ext cx="4260300" cy="3286800"/>
           </a:xfrm>
           <a:prstGeom prst="rect">
             <a:avLst/>
@@ -8205,11 +8210,11 @@
               <a:buChar char="●"/>
             </a:pPr>
             <a:r>
-              <a:rPr lang="en"/>
+              <a:rPr lang="en" dirty="0"/>
               <a:t>The remainder of today’s class will comprise the </a:t>
             </a:r>
             <a:r>
-              <a:rPr lang="en" b="1" i="1">
+              <a:rPr lang="en" b="1" i="1" dirty="0">
                 <a:solidFill>
                   <a:srgbClr val="FF0000"/>
                 </a:solidFill>
@@ -8217,11 +8222,11 @@
               <a:t>problem solving session</a:t>
             </a:r>
             <a:r>
-              <a:rPr lang="en"/>
+              <a:rPr lang="en" dirty="0"/>
               <a:t> (</a:t>
             </a:r>
             <a:r>
-              <a:rPr lang="en" b="1" i="1">
+              <a:rPr lang="en" b="1" i="1" dirty="0">
                 <a:solidFill>
                   <a:srgbClr val="FF0000"/>
                 </a:solidFill>
@@ -8229,10 +8234,10 @@
               <a:t>PSS</a:t>
             </a:r>
             <a:r>
-              <a:rPr lang="en"/>
+              <a:rPr lang="en" dirty="0"/>
               <a:t>).</a:t>
             </a:r>
-            <a:endParaRPr/>
+            <a:endParaRPr dirty="0"/>
           </a:p>
           <a:p>
             <a:pPr marL="457200" lvl="0" indent="-311150" algn="l" rtl="0">
@@ -8246,11 +8251,11 @@
               <a:buChar char="●"/>
             </a:pPr>
             <a:r>
-              <a:rPr lang="en"/>
+              <a:rPr lang="en" dirty="0"/>
               <a:t>Your instructor will divide you into </a:t>
             </a:r>
             <a:r>
-              <a:rPr lang="en" b="1" i="1">
+              <a:rPr lang="en" b="1" i="1" dirty="0">
                 <a:solidFill>
                   <a:srgbClr val="FF0000"/>
                 </a:solidFill>
@@ -8258,10 +8263,10 @@
               <a:t>teams of 3 or 4 students</a:t>
             </a:r>
             <a:r>
-              <a:rPr lang="en"/>
+              <a:rPr lang="en" dirty="0"/>
               <a:t>.</a:t>
             </a:r>
-            <a:endParaRPr/>
+            <a:endParaRPr dirty="0"/>
           </a:p>
           <a:p>
             <a:pPr marL="457200" lvl="0" indent="-311150" algn="l" rtl="0">
@@ -8275,11 +8280,11 @@
               <a:buChar char="●"/>
             </a:pPr>
             <a:r>
-              <a:rPr lang="en"/>
+              <a:rPr lang="en" dirty="0"/>
               <a:t>Each team will </a:t>
             </a:r>
             <a:r>
-              <a:rPr lang="en" b="1" i="1">
+              <a:rPr lang="en" b="1" i="1" dirty="0">
                 <a:solidFill>
                   <a:srgbClr val="FF0000"/>
                 </a:solidFill>
@@ -8287,11 +8292,11 @@
               <a:t>work together</a:t>
             </a:r>
             <a:r>
-              <a:rPr lang="en"/>
+              <a:rPr lang="en" dirty="0"/>
               <a:t> to solve the following problems over the course of </a:t>
             </a:r>
             <a:r>
-              <a:rPr lang="en" b="1" i="1">
+              <a:rPr lang="en" b="1" i="1" dirty="0">
                 <a:solidFill>
                   <a:srgbClr val="FF0000"/>
                 </a:solidFill>
@@ -8299,10 +8304,10 @@
               <a:t>20-30 minutes</a:t>
             </a:r>
             <a:r>
-              <a:rPr lang="en"/>
+              <a:rPr lang="en" dirty="0"/>
               <a:t>.</a:t>
             </a:r>
-            <a:endParaRPr/>
+            <a:endParaRPr dirty="0"/>
           </a:p>
           <a:p>
             <a:pPr marL="914400" lvl="1" indent="-298450" algn="l" rtl="0">
@@ -8316,10 +8321,10 @@
               <a:buChar char="○"/>
             </a:pPr>
             <a:r>
-              <a:rPr lang="en"/>
+              <a:rPr lang="en" dirty="0"/>
               <a:t>You may work on paper, a white board, or digitally as determined by your instructor.</a:t>
             </a:r>
-            <a:endParaRPr/>
+            <a:endParaRPr dirty="0"/>
           </a:p>
           <a:p>
             <a:pPr marL="914400" lvl="1" indent="-298450" algn="l" rtl="0">
@@ -8333,10 +8338,10 @@
               <a:buChar char="○"/>
             </a:pPr>
             <a:r>
-              <a:rPr lang="en"/>
+              <a:rPr lang="en" dirty="0"/>
               <a:t>You will submit your solution by pushing it to GitHub before the end of class.</a:t>
             </a:r>
-            <a:endParaRPr/>
+            <a:endParaRPr dirty="0"/>
           </a:p>
           <a:p>
             <a:pPr marL="457200" lvl="0" indent="-311150" algn="l" rtl="0">
@@ -8350,10 +8355,10 @@
               <a:buChar char="●"/>
             </a:pPr>
             <a:r>
-              <a:rPr lang="en"/>
+              <a:rPr lang="en" dirty="0"/>
               <a:t>Your instructor will go over the solution before the end of class.</a:t>
             </a:r>
-            <a:endParaRPr/>
+            <a:endParaRPr dirty="0"/>
           </a:p>
           <a:p>
             <a:pPr marL="457200" lvl="0" indent="-311150" algn="l" rtl="0">
@@ -8367,10 +8372,26 @@
               <a:buChar char="●"/>
             </a:pPr>
             <a:r>
-              <a:rPr lang="en"/>
-              <a:t>If there is any time remaining, you will begin work on your homework assignment.</a:t>
+              <a:rPr lang="en-US" dirty="0"/>
+              <a:t>Write your name on each completed sheet.</a:t>
             </a:r>
-            <a:endParaRPr/>
+          </a:p>
+          <a:p>
+            <a:pPr marL="457200" lvl="0" indent="-311150" algn="l" rtl="0">
+              <a:spcBef>
+                <a:spcPts val="0"/>
+              </a:spcBef>
+              <a:spcAft>
+                <a:spcPts val="0"/>
+              </a:spcAft>
+              <a:buSzPts val="1300"/>
+              <a:buChar char="●"/>
+            </a:pPr>
+            <a:r>
+              <a:rPr lang="en-US"/>
+              <a:t>Submit to the designated MyCourses’ Dropbox.</a:t>
+            </a:r>
+            <a:endParaRPr lang="en-US" dirty="0"/>
           </a:p>
         </p:txBody>
       </p:sp>
